--- a/Presentazione.pptx
+++ b/Presentazione.pptx
@@ -11403,13 +11403,13 @@
   <p:clrMapOvr>
     <a:masterClrMapping/>
   </p:clrMapOvr>
-  <mc:AlternateContent xmlns:mc="http://schemas.openxmlformats.org/markup-compatibility/2006">
-    <mc:Choice xmlns:p159="http://schemas.microsoft.com/office/powerpoint/2015/09/main" Requires="p159">
+  <mc:AlternateContent xmlns:mc="http://schemas.openxmlformats.org/markup-compatibility/2006" xmlns:p159="http://schemas.microsoft.com/office/powerpoint/2015/09/main">
+    <mc:Choice Requires="p159">
       <p:transition xmlns:p14="http://schemas.microsoft.com/office/powerpoint/2010/main" spd="slow" p14:dur="2000">
         <p159:morph option="byObject"/>
       </p:transition>
     </mc:Choice>
-    <mc:Fallback>
+    <mc:Fallback xmlns="">
       <p:transition spd="slow">
         <p:fade/>
       </p:transition>
@@ -13176,13 +13176,13 @@
   <p:clrMapOvr>
     <a:masterClrMapping/>
   </p:clrMapOvr>
-  <mc:AlternateContent xmlns:mc="http://schemas.openxmlformats.org/markup-compatibility/2006">
-    <mc:Choice xmlns:p159="http://schemas.microsoft.com/office/powerpoint/2015/09/main" Requires="p159">
+  <mc:AlternateContent xmlns:mc="http://schemas.openxmlformats.org/markup-compatibility/2006" xmlns:p159="http://schemas.microsoft.com/office/powerpoint/2015/09/main">
+    <mc:Choice Requires="p159">
       <p:transition xmlns:p14="http://schemas.microsoft.com/office/powerpoint/2010/main" spd="slow" p14:dur="2000">
         <p159:morph option="byObject"/>
       </p:transition>
     </mc:Choice>
-    <mc:Fallback>
+    <mc:Fallback xmlns="">
       <p:transition spd="slow">
         <p:fade/>
       </p:transition>
@@ -15299,13 +15299,13 @@
   <p:clrMapOvr>
     <a:masterClrMapping/>
   </p:clrMapOvr>
-  <mc:AlternateContent xmlns:mc="http://schemas.openxmlformats.org/markup-compatibility/2006">
-    <mc:Choice xmlns:p159="http://schemas.microsoft.com/office/powerpoint/2015/09/main" Requires="p159">
+  <mc:AlternateContent xmlns:mc="http://schemas.openxmlformats.org/markup-compatibility/2006" xmlns:p159="http://schemas.microsoft.com/office/powerpoint/2015/09/main">
+    <mc:Choice Requires="p159">
       <p:transition xmlns:p14="http://schemas.microsoft.com/office/powerpoint/2010/main" spd="slow" p14:dur="2000">
         <p159:morph option="byObject"/>
       </p:transition>
     </mc:Choice>
-    <mc:Fallback>
+    <mc:Fallback xmlns="">
       <p:transition spd="slow">
         <p:fade/>
       </p:transition>
@@ -17128,13 +17128,13 @@
   <p:clrMapOvr>
     <a:masterClrMapping/>
   </p:clrMapOvr>
-  <mc:AlternateContent xmlns:mc="http://schemas.openxmlformats.org/markup-compatibility/2006">
-    <mc:Choice xmlns:p159="http://schemas.microsoft.com/office/powerpoint/2015/09/main" Requires="p159">
+  <mc:AlternateContent xmlns:mc="http://schemas.openxmlformats.org/markup-compatibility/2006" xmlns:p159="http://schemas.microsoft.com/office/powerpoint/2015/09/main">
+    <mc:Choice Requires="p159">
       <p:transition xmlns:p14="http://schemas.microsoft.com/office/powerpoint/2010/main" spd="slow" p14:dur="2000">
         <p159:morph option="byObject"/>
       </p:transition>
     </mc:Choice>
-    <mc:Fallback>
+    <mc:Fallback xmlns="">
       <p:transition spd="slow">
         <p:fade/>
       </p:transition>
@@ -28033,134 +28033,13 @@
       </p:grpSpPr>
       <p:grpSp>
         <p:nvGrpSpPr>
-          <p:cNvPr id="2" name="Group 2"/>
+          <p:cNvPr id="5" name="Group 5"/>
           <p:cNvGrpSpPr/>
           <p:nvPr/>
         </p:nvGrpSpPr>
         <p:grpSpPr>
           <a:xfrm>
-            <a:off x="-1109662" y="0"/>
-            <a:ext cx="20507325" cy="10287000"/>
-            <a:chOff x="0" y="0"/>
-            <a:chExt cx="27343100" cy="13716000"/>
-          </a:xfrm>
-        </p:grpSpPr>
-        <p:sp>
-          <p:nvSpPr>
-            <p:cNvPr id="3" name="Freeform 3"/>
-            <p:cNvSpPr/>
-            <p:nvPr/>
-          </p:nvSpPr>
-          <p:spPr>
-            <a:xfrm>
-              <a:off x="0" y="0"/>
-              <a:ext cx="13716000" cy="13716000"/>
-            </a:xfrm>
-            <a:custGeom>
-              <a:avLst/>
-              <a:gdLst/>
-              <a:ahLst/>
-              <a:cxnLst/>
-              <a:rect l="l" t="t" r="r" b="b"/>
-              <a:pathLst>
-                <a:path w="13716000" h="13716000">
-                  <a:moveTo>
-                    <a:pt x="0" y="0"/>
-                  </a:moveTo>
-                  <a:lnTo>
-                    <a:pt x="13716000" y="0"/>
-                  </a:lnTo>
-                  <a:lnTo>
-                    <a:pt x="13716000" y="13716000"/>
-                  </a:lnTo>
-                  <a:lnTo>
-                    <a:pt x="0" y="13716000"/>
-                  </a:lnTo>
-                  <a:lnTo>
-                    <a:pt x="0" y="0"/>
-                  </a:lnTo>
-                  <a:close/>
-                </a:path>
-              </a:pathLst>
-            </a:custGeom>
-            <a:blipFill>
-              <a:blip r:embed="rId2">
-                <a:alphaModFix amt="0"/>
-                <a:extLst>
-                  <a:ext uri="{96DAC541-7B7A-43D3-8B79-37D633B846F1}">
-                    <asvg:svgBlip xmlns:asvg="http://schemas.microsoft.com/office/drawing/2016/SVG/main" r:embed="rId3"/>
-                  </a:ext>
-                </a:extLst>
-              </a:blip>
-              <a:stretch>
-                <a:fillRect/>
-              </a:stretch>
-            </a:blipFill>
-          </p:spPr>
-        </p:sp>
-        <p:sp>
-          <p:nvSpPr>
-            <p:cNvPr id="4" name="Freeform 4"/>
-            <p:cNvSpPr/>
-            <p:nvPr/>
-          </p:nvSpPr>
-          <p:spPr>
-            <a:xfrm>
-              <a:off x="13627100" y="0"/>
-              <a:ext cx="13716000" cy="13716000"/>
-            </a:xfrm>
-            <a:custGeom>
-              <a:avLst/>
-              <a:gdLst/>
-              <a:ahLst/>
-              <a:cxnLst/>
-              <a:rect l="l" t="t" r="r" b="b"/>
-              <a:pathLst>
-                <a:path w="13716000" h="13716000">
-                  <a:moveTo>
-                    <a:pt x="0" y="0"/>
-                  </a:moveTo>
-                  <a:lnTo>
-                    <a:pt x="13716000" y="0"/>
-                  </a:lnTo>
-                  <a:lnTo>
-                    <a:pt x="13716000" y="13716000"/>
-                  </a:lnTo>
-                  <a:lnTo>
-                    <a:pt x="0" y="13716000"/>
-                  </a:lnTo>
-                  <a:lnTo>
-                    <a:pt x="0" y="0"/>
-                  </a:lnTo>
-                  <a:close/>
-                </a:path>
-              </a:pathLst>
-            </a:custGeom>
-            <a:blipFill>
-              <a:blip r:embed="rId2">
-                <a:alphaModFix amt="0"/>
-                <a:extLst>
-                  <a:ext uri="{96DAC541-7B7A-43D3-8B79-37D633B846F1}">
-                    <asvg:svgBlip xmlns:asvg="http://schemas.microsoft.com/office/drawing/2016/SVG/main" r:embed="rId3"/>
-                  </a:ext>
-                </a:extLst>
-              </a:blip>
-              <a:stretch>
-                <a:fillRect/>
-              </a:stretch>
-            </a:blipFill>
-          </p:spPr>
-        </p:sp>
-      </p:grpSp>
-      <p:grpSp>
-        <p:nvGrpSpPr>
-          <p:cNvPr id="5" name="Group 5"/>
-          <p:cNvGrpSpPr/>
-          <p:nvPr/>
-        </p:nvGrpSpPr>
-        <p:grpSpPr>
-          <a:xfrm>
-            <a:off x="1028700" y="1505943"/>
+            <a:off x="1028700" y="1585127"/>
             <a:ext cx="16230600" cy="6526651"/>
             <a:chOff x="0" y="0"/>
             <a:chExt cx="4274726" cy="1718953"/>
@@ -28205,6 +28084,13 @@
               <a:srgbClr val="FFFFFF"/>
             </a:solidFill>
           </p:spPr>
+          <p:txBody>
+            <a:bodyPr/>
+            <a:lstStyle/>
+            <a:p>
+              <a:endParaRPr lang="it-IT" dirty="0"/>
+            </a:p>
+          </p:txBody>
         </p:sp>
         <p:sp>
           <p:nvSpPr>
@@ -28216,99 +28102,6 @@
             <a:xfrm>
               <a:off x="0" y="-38100"/>
               <a:ext cx="4274726" cy="1757053"/>
-            </a:xfrm>
-            <a:prstGeom prst="rect">
-              <a:avLst/>
-            </a:prstGeom>
-          </p:spPr>
-          <p:txBody>
-            <a:bodyPr lIns="50800" tIns="50800" rIns="50800" bIns="50800" rtlCol="0" anchor="ctr"/>
-            <a:lstStyle/>
-            <a:p>
-              <a:pPr algn="ctr">
-                <a:lnSpc>
-                  <a:spcPts val="2659"/>
-                </a:lnSpc>
-                <a:spcBef>
-                  <a:spcPct val="0"/>
-                </a:spcBef>
-              </a:pPr>
-              <a:endParaRPr/>
-            </a:p>
-          </p:txBody>
-        </p:sp>
-      </p:grpSp>
-      <p:grpSp>
-        <p:nvGrpSpPr>
-          <p:cNvPr id="8" name="Group 8"/>
-          <p:cNvGrpSpPr/>
-          <p:nvPr/>
-        </p:nvGrpSpPr>
-        <p:grpSpPr>
-          <a:xfrm>
-            <a:off x="5139012" y="687305"/>
-            <a:ext cx="8009976" cy="1730229"/>
-            <a:chOff x="0" y="0"/>
-            <a:chExt cx="2109623" cy="455698"/>
-          </a:xfrm>
-        </p:grpSpPr>
-        <p:sp>
-          <p:nvSpPr>
-            <p:cNvPr id="9" name="Freeform 9"/>
-            <p:cNvSpPr/>
-            <p:nvPr/>
-          </p:nvSpPr>
-          <p:spPr>
-            <a:xfrm>
-              <a:off x="0" y="0"/>
-              <a:ext cx="2109623" cy="455698"/>
-            </a:xfrm>
-            <a:custGeom>
-              <a:avLst/>
-              <a:gdLst/>
-              <a:ahLst/>
-              <a:cxnLst/>
-              <a:rect l="l" t="t" r="r" b="b"/>
-              <a:pathLst>
-                <a:path w="2109623" h="455698">
-                  <a:moveTo>
-                    <a:pt x="0" y="0"/>
-                  </a:moveTo>
-                  <a:lnTo>
-                    <a:pt x="2109623" y="0"/>
-                  </a:lnTo>
-                  <a:lnTo>
-                    <a:pt x="2109623" y="455698"/>
-                  </a:lnTo>
-                  <a:lnTo>
-                    <a:pt x="0" y="455698"/>
-                  </a:lnTo>
-                  <a:close/>
-                </a:path>
-              </a:pathLst>
-            </a:custGeom>
-            <a:solidFill>
-              <a:srgbClr val="FFFFFF"/>
-            </a:solidFill>
-            <a:ln w="38100" cap="sq">
-              <a:solidFill>
-                <a:srgbClr val="FFFFFF"/>
-              </a:solidFill>
-              <a:prstDash val="solid"/>
-              <a:miter/>
-            </a:ln>
-          </p:spPr>
-        </p:sp>
-        <p:sp>
-          <p:nvSpPr>
-            <p:cNvPr id="10" name="TextBox 10"/>
-            <p:cNvSpPr txBox="1"/>
-            <p:nvPr/>
-          </p:nvSpPr>
-          <p:spPr>
-            <a:xfrm>
-              <a:off x="0" y="-38100"/>
-              <a:ext cx="2109623" cy="493798"/>
             </a:xfrm>
             <a:prstGeom prst="rect">
               <a:avLst/>
@@ -28484,169 +28277,6 @@
       </p:sp>
       <p:sp>
         <p:nvSpPr>
-          <p:cNvPr id="27" name="TextBox 14">
-            <a:extLst>
-              <a:ext uri="{FF2B5EF4-FFF2-40B4-BE49-F238E27FC236}">
-                <a16:creationId xmlns:a16="http://schemas.microsoft.com/office/drawing/2014/main" id="{17F8B7F0-C4AF-D324-33D8-3454C37EF95B}"/>
-              </a:ext>
-            </a:extLst>
-          </p:cNvPr>
-          <p:cNvSpPr txBox="1"/>
-          <p:nvPr/>
-        </p:nvSpPr>
-        <p:spPr>
-          <a:xfrm>
-            <a:off x="0" y="904875"/>
-            <a:ext cx="18287999" cy="1125781"/>
-          </a:xfrm>
-          <a:prstGeom prst="rect">
-            <a:avLst/>
-          </a:prstGeom>
-        </p:spPr>
-        <p:txBody>
-          <a:bodyPr wrap="square" lIns="0" tIns="0" rIns="0" bIns="0" rtlCol="0" anchor="t">
-            <a:spAutoFit/>
-          </a:bodyPr>
-          <a:lstStyle/>
-          <a:p>
-            <a:pPr algn="ctr">
-              <a:lnSpc>
-                <a:spcPts val="9250"/>
-              </a:lnSpc>
-            </a:pPr>
-            <a:r>
-              <a:rPr lang="en-US" sz="6607" dirty="0">
-                <a:solidFill>
-                  <a:srgbClr val="000000"/>
-                </a:solidFill>
-                <a:latin typeface="Fredoka"/>
-                <a:ea typeface="Fredoka"/>
-                <a:cs typeface="Fredoka"/>
-                <a:sym typeface="Fredoka"/>
-              </a:rPr>
-              <a:t>CONTESTO </a:t>
-            </a:r>
-          </a:p>
-        </p:txBody>
-      </p:sp>
-      <p:sp>
-        <p:nvSpPr>
-          <p:cNvPr id="28" name="Freeform 15">
-            <a:extLst>
-              <a:ext uri="{FF2B5EF4-FFF2-40B4-BE49-F238E27FC236}">
-                <a16:creationId xmlns:a16="http://schemas.microsoft.com/office/drawing/2014/main" id="{79C9D005-80B1-4EC7-2623-7C3804D47085}"/>
-              </a:ext>
-            </a:extLst>
-          </p:cNvPr>
-          <p:cNvSpPr/>
-          <p:nvPr/>
-        </p:nvSpPr>
-        <p:spPr>
-          <a:xfrm>
-            <a:off x="15824275" y="6533193"/>
-            <a:ext cx="1949375" cy="1949375"/>
-          </a:xfrm>
-          <a:custGeom>
-            <a:avLst/>
-            <a:gdLst/>
-            <a:ahLst/>
-            <a:cxnLst/>
-            <a:rect l="l" t="t" r="r" b="b"/>
-            <a:pathLst>
-              <a:path w="1949375" h="1949375">
-                <a:moveTo>
-                  <a:pt x="0" y="0"/>
-                </a:moveTo>
-                <a:lnTo>
-                  <a:pt x="1949375" y="0"/>
-                </a:lnTo>
-                <a:lnTo>
-                  <a:pt x="1949375" y="1949375"/>
-                </a:lnTo>
-                <a:lnTo>
-                  <a:pt x="0" y="1949375"/>
-                </a:lnTo>
-                <a:lnTo>
-                  <a:pt x="0" y="0"/>
-                </a:lnTo>
-                <a:close/>
-              </a:path>
-            </a:pathLst>
-          </a:custGeom>
-          <a:blipFill>
-            <a:blip r:embed="rId4">
-              <a:extLst>
-                <a:ext uri="{96DAC541-7B7A-43D3-8B79-37D633B846F1}">
-                  <asvg:svgBlip xmlns:asvg="http://schemas.microsoft.com/office/drawing/2016/SVG/main" r:embed="rId5"/>
-                </a:ext>
-              </a:extLst>
-            </a:blip>
-            <a:stretch>
-              <a:fillRect/>
-            </a:stretch>
-          </a:blipFill>
-        </p:spPr>
-      </p:sp>
-      <p:sp>
-        <p:nvSpPr>
-          <p:cNvPr id="29" name="Freeform 16">
-            <a:extLst>
-              <a:ext uri="{FF2B5EF4-FFF2-40B4-BE49-F238E27FC236}">
-                <a16:creationId xmlns:a16="http://schemas.microsoft.com/office/drawing/2014/main" id="{311FADD3-979E-3E0B-BF8F-C43CA49387AF}"/>
-              </a:ext>
-            </a:extLst>
-          </p:cNvPr>
-          <p:cNvSpPr/>
-          <p:nvPr/>
-        </p:nvSpPr>
-        <p:spPr>
-          <a:xfrm>
-            <a:off x="-668902" y="1028700"/>
-            <a:ext cx="3395204" cy="1049427"/>
-          </a:xfrm>
-          <a:custGeom>
-            <a:avLst/>
-            <a:gdLst/>
-            <a:ahLst/>
-            <a:cxnLst/>
-            <a:rect l="l" t="t" r="r" b="b"/>
-            <a:pathLst>
-              <a:path w="3395204" h="1049427">
-                <a:moveTo>
-                  <a:pt x="0" y="0"/>
-                </a:moveTo>
-                <a:lnTo>
-                  <a:pt x="3395204" y="0"/>
-                </a:lnTo>
-                <a:lnTo>
-                  <a:pt x="3395204" y="1049427"/>
-                </a:lnTo>
-                <a:lnTo>
-                  <a:pt x="0" y="1049427"/>
-                </a:lnTo>
-                <a:lnTo>
-                  <a:pt x="0" y="0"/>
-                </a:lnTo>
-                <a:close/>
-              </a:path>
-            </a:pathLst>
-          </a:custGeom>
-          <a:blipFill>
-            <a:blip r:embed="rId6">
-              <a:extLst>
-                <a:ext uri="{96DAC541-7B7A-43D3-8B79-37D633B846F1}">
-                  <asvg:svgBlip xmlns:asvg="http://schemas.microsoft.com/office/drawing/2016/SVG/main" r:embed="rId7"/>
-                </a:ext>
-              </a:extLst>
-            </a:blip>
-            <a:stretch>
-              <a:fillRect/>
-            </a:stretch>
-          </a:blipFill>
-        </p:spPr>
-      </p:sp>
-      <p:sp>
-        <p:nvSpPr>
           <p:cNvPr id="12" name="Nastro inclinato in basso 11">
             <a:extLst>
               <a:ext uri="{FF2B5EF4-FFF2-40B4-BE49-F238E27FC236}">
@@ -28765,6 +28395,1239 @@
           </a:p>
         </p:txBody>
       </p:sp>
+      <p:sp>
+        <p:nvSpPr>
+          <p:cNvPr id="11" name="Freeform 14">
+            <a:extLst>
+              <a:ext uri="{FF2B5EF4-FFF2-40B4-BE49-F238E27FC236}">
+                <a16:creationId xmlns:a16="http://schemas.microsoft.com/office/drawing/2014/main" id="{8ADECD29-BE92-B34F-B5D5-4FF436596302}"/>
+              </a:ext>
+            </a:extLst>
+          </p:cNvPr>
+          <p:cNvSpPr/>
+          <p:nvPr/>
+        </p:nvSpPr>
+        <p:spPr>
+          <a:xfrm rot="20063455" flipH="1">
+            <a:off x="16487867" y="-61854"/>
+            <a:ext cx="2537840" cy="2297899"/>
+          </a:xfrm>
+          <a:custGeom>
+            <a:avLst/>
+            <a:gdLst/>
+            <a:ahLst/>
+            <a:cxnLst/>
+            <a:rect l="l" t="t" r="r" b="b"/>
+            <a:pathLst>
+              <a:path w="2537840" h="2297899">
+                <a:moveTo>
+                  <a:pt x="2537840" y="0"/>
+                </a:moveTo>
+                <a:lnTo>
+                  <a:pt x="0" y="0"/>
+                </a:lnTo>
+                <a:lnTo>
+                  <a:pt x="0" y="2297898"/>
+                </a:lnTo>
+                <a:lnTo>
+                  <a:pt x="2537840" y="2297898"/>
+                </a:lnTo>
+                <a:lnTo>
+                  <a:pt x="2537840" y="0"/>
+                </a:lnTo>
+                <a:close/>
+              </a:path>
+            </a:pathLst>
+          </a:custGeom>
+          <a:blipFill>
+            <a:blip r:embed="rId2">
+              <a:extLst>
+                <a:ext uri="{96DAC541-7B7A-43D3-8B79-37D633B846F1}">
+                  <asvg:svgBlip xmlns:asvg="http://schemas.microsoft.com/office/drawing/2016/SVG/main" r:embed="rId3"/>
+                </a:ext>
+              </a:extLst>
+            </a:blip>
+            <a:stretch>
+              <a:fillRect/>
+            </a:stretch>
+          </a:blipFill>
+        </p:spPr>
+      </p:sp>
+      <p:sp>
+        <p:nvSpPr>
+          <p:cNvPr id="14" name="TextBox 15">
+            <a:extLst>
+              <a:ext uri="{FF2B5EF4-FFF2-40B4-BE49-F238E27FC236}">
+                <a16:creationId xmlns:a16="http://schemas.microsoft.com/office/drawing/2014/main" id="{84A6CC58-94D4-1437-A9CD-190742E45D8F}"/>
+              </a:ext>
+            </a:extLst>
+          </p:cNvPr>
+          <p:cNvSpPr txBox="1"/>
+          <p:nvPr/>
+        </p:nvSpPr>
+        <p:spPr>
+          <a:xfrm>
+            <a:off x="4543721" y="904875"/>
+            <a:ext cx="9200557" cy="1125781"/>
+          </a:xfrm>
+          <a:prstGeom prst="rect">
+            <a:avLst/>
+          </a:prstGeom>
+        </p:spPr>
+        <p:txBody>
+          <a:bodyPr lIns="0" tIns="0" rIns="0" bIns="0" rtlCol="0" anchor="t">
+            <a:spAutoFit/>
+          </a:bodyPr>
+          <a:lstStyle/>
+          <a:p>
+            <a:pPr algn="ctr">
+              <a:lnSpc>
+                <a:spcPts val="9250"/>
+              </a:lnSpc>
+            </a:pPr>
+            <a:r>
+              <a:rPr lang="en-US" sz="6607" dirty="0">
+                <a:solidFill>
+                  <a:srgbClr val="000000"/>
+                </a:solidFill>
+                <a:latin typeface="Fredoka"/>
+                <a:ea typeface="Fredoka"/>
+                <a:cs typeface="Fredoka"/>
+                <a:sym typeface="Fredoka"/>
+              </a:rPr>
+              <a:t>CONTESTO </a:t>
+            </a:r>
+          </a:p>
+        </p:txBody>
+      </p:sp>
+      <p:sp>
+        <p:nvSpPr>
+          <p:cNvPr id="15" name="TextBox 16">
+            <a:extLst>
+              <a:ext uri="{FF2B5EF4-FFF2-40B4-BE49-F238E27FC236}">
+                <a16:creationId xmlns:a16="http://schemas.microsoft.com/office/drawing/2014/main" id="{51FE5045-5B3F-CC51-E0A0-E63074CDEEBC}"/>
+              </a:ext>
+            </a:extLst>
+          </p:cNvPr>
+          <p:cNvSpPr txBox="1"/>
+          <p:nvPr/>
+        </p:nvSpPr>
+        <p:spPr>
+          <a:xfrm>
+            <a:off x="4800600" y="4000500"/>
+            <a:ext cx="11525244" cy="1234312"/>
+          </a:xfrm>
+          <a:prstGeom prst="rect">
+            <a:avLst/>
+          </a:prstGeom>
+        </p:spPr>
+        <p:txBody>
+          <a:bodyPr wrap="square" lIns="0" tIns="0" rIns="0" bIns="0" rtlCol="0" anchor="t">
+            <a:spAutoFit/>
+          </a:bodyPr>
+          <a:lstStyle/>
+          <a:p>
+            <a:pPr algn="l">
+              <a:lnSpc>
+                <a:spcPts val="4899"/>
+              </a:lnSpc>
+            </a:pPr>
+            <a:r>
+              <a:rPr lang="en-US" sz="3499" dirty="0" err="1">
+                <a:solidFill>
+                  <a:srgbClr val="000000"/>
+                </a:solidFill>
+                <a:latin typeface="Nunito Bold"/>
+                <a:ea typeface="Nunito Bold"/>
+                <a:cs typeface="Nunito Bold"/>
+                <a:sym typeface="Nunito Bold"/>
+              </a:rPr>
+              <a:t>Quando</a:t>
+            </a:r>
+            <a:r>
+              <a:rPr lang="en-US" sz="3499" dirty="0">
+                <a:solidFill>
+                  <a:srgbClr val="000000"/>
+                </a:solidFill>
+                <a:latin typeface="Nunito Bold"/>
+                <a:ea typeface="Nunito Bold"/>
+                <a:cs typeface="Nunito Bold"/>
+                <a:sym typeface="Nunito Bold"/>
+              </a:rPr>
+              <a:t> </a:t>
+            </a:r>
+            <a:r>
+              <a:rPr lang="en-US" sz="3499" dirty="0" err="1">
+                <a:solidFill>
+                  <a:srgbClr val="000000"/>
+                </a:solidFill>
+                <a:latin typeface="Nunito Bold"/>
+                <a:ea typeface="Nunito Bold"/>
+                <a:cs typeface="Nunito Bold"/>
+                <a:sym typeface="Nunito Bold"/>
+              </a:rPr>
+              <a:t>cambiavamo</a:t>
+            </a:r>
+            <a:r>
+              <a:rPr lang="en-US" sz="3499" dirty="0">
+                <a:solidFill>
+                  <a:srgbClr val="000000"/>
+                </a:solidFill>
+                <a:latin typeface="Nunito Bold"/>
+                <a:ea typeface="Nunito Bold"/>
+                <a:cs typeface="Nunito Bold"/>
+                <a:sym typeface="Nunito Bold"/>
+              </a:rPr>
+              <a:t> </a:t>
+            </a:r>
+            <a:r>
+              <a:rPr lang="en-US" sz="3499" dirty="0" err="1">
+                <a:solidFill>
+                  <a:srgbClr val="000000"/>
+                </a:solidFill>
+                <a:latin typeface="Nunito Bold"/>
+                <a:ea typeface="Nunito Bold"/>
+                <a:cs typeface="Nunito Bold"/>
+                <a:sym typeface="Nunito Bold"/>
+              </a:rPr>
+              <a:t>operatore</a:t>
+            </a:r>
+            <a:r>
+              <a:rPr lang="en-US" sz="3499" dirty="0">
+                <a:solidFill>
+                  <a:srgbClr val="000000"/>
+                </a:solidFill>
+                <a:latin typeface="Nunito Bold"/>
+                <a:ea typeface="Nunito Bold"/>
+                <a:cs typeface="Nunito Bold"/>
+                <a:sym typeface="Nunito Bold"/>
+              </a:rPr>
+              <a:t>, </a:t>
+            </a:r>
+            <a:r>
+              <a:rPr lang="en-US" sz="3499" dirty="0" err="1">
+                <a:solidFill>
+                  <a:srgbClr val="000000"/>
+                </a:solidFill>
+                <a:latin typeface="Nunito Bold"/>
+                <a:ea typeface="Nunito Bold"/>
+                <a:cs typeface="Nunito Bold"/>
+                <a:sym typeface="Nunito Bold"/>
+              </a:rPr>
+              <a:t>dovevamo</a:t>
+            </a:r>
+            <a:r>
+              <a:rPr lang="en-US" sz="3499" dirty="0">
+                <a:solidFill>
+                  <a:srgbClr val="000000"/>
+                </a:solidFill>
+                <a:latin typeface="Nunito Bold"/>
+                <a:ea typeface="Nunito Bold"/>
+                <a:cs typeface="Nunito Bold"/>
+                <a:sym typeface="Nunito Bold"/>
+              </a:rPr>
+              <a:t> </a:t>
+            </a:r>
+            <a:r>
+              <a:rPr lang="en-US" sz="3499" dirty="0" err="1">
+                <a:solidFill>
+                  <a:srgbClr val="000000"/>
+                </a:solidFill>
+                <a:latin typeface="Nunito Bold"/>
+                <a:ea typeface="Nunito Bold"/>
+                <a:cs typeface="Nunito Bold"/>
+                <a:sym typeface="Nunito Bold"/>
+              </a:rPr>
+              <a:t>andare</a:t>
+            </a:r>
+            <a:r>
+              <a:rPr lang="en-US" sz="3499" dirty="0">
+                <a:solidFill>
+                  <a:srgbClr val="000000"/>
+                </a:solidFill>
+                <a:latin typeface="Nunito Bold"/>
+                <a:ea typeface="Nunito Bold"/>
+                <a:cs typeface="Nunito Bold"/>
+                <a:sym typeface="Nunito Bold"/>
+              </a:rPr>
+              <a:t> </a:t>
+            </a:r>
+            <a:r>
+              <a:rPr lang="en-US" sz="3499" dirty="0" err="1">
+                <a:solidFill>
+                  <a:srgbClr val="000000"/>
+                </a:solidFill>
+                <a:latin typeface="Nunito Bold"/>
+                <a:ea typeface="Nunito Bold"/>
+                <a:cs typeface="Nunito Bold"/>
+                <a:sym typeface="Nunito Bold"/>
+              </a:rPr>
+              <a:t>noi</a:t>
+            </a:r>
+            <a:r>
+              <a:rPr lang="en-US" sz="3499" dirty="0">
+                <a:solidFill>
+                  <a:srgbClr val="000000"/>
+                </a:solidFill>
+                <a:latin typeface="Nunito Bold"/>
+                <a:ea typeface="Nunito Bold"/>
+                <a:cs typeface="Nunito Bold"/>
+                <a:sym typeface="Nunito Bold"/>
+              </a:rPr>
+              <a:t> </a:t>
+            </a:r>
+            <a:r>
+              <a:rPr lang="en-US" sz="3499" dirty="0" err="1">
+                <a:solidFill>
+                  <a:srgbClr val="000000"/>
+                </a:solidFill>
+                <a:latin typeface="Nunito Bold"/>
+                <a:ea typeface="Nunito Bold"/>
+                <a:cs typeface="Nunito Bold"/>
+                <a:sym typeface="Nunito Bold"/>
+              </a:rPr>
+              <a:t>fisicamente</a:t>
+            </a:r>
+            <a:r>
+              <a:rPr lang="en-US" sz="3499" dirty="0">
+                <a:solidFill>
+                  <a:srgbClr val="000000"/>
+                </a:solidFill>
+                <a:latin typeface="Nunito Bold"/>
+                <a:ea typeface="Nunito Bold"/>
+                <a:cs typeface="Nunito Bold"/>
+                <a:sym typeface="Nunito Bold"/>
+              </a:rPr>
+              <a:t> in </a:t>
+            </a:r>
+            <a:r>
+              <a:rPr lang="en-US" sz="3499" dirty="0" err="1">
+                <a:solidFill>
+                  <a:srgbClr val="000000"/>
+                </a:solidFill>
+                <a:latin typeface="Nunito Bold"/>
+                <a:ea typeface="Nunito Bold"/>
+                <a:cs typeface="Nunito Bold"/>
+                <a:sym typeface="Nunito Bold"/>
+              </a:rPr>
+              <a:t>negozio</a:t>
+            </a:r>
+            <a:r>
+              <a:rPr lang="en-US" sz="3499" dirty="0">
+                <a:solidFill>
+                  <a:srgbClr val="000000"/>
+                </a:solidFill>
+                <a:latin typeface="Nunito Bold"/>
+                <a:ea typeface="Nunito Bold"/>
+                <a:cs typeface="Nunito Bold"/>
+                <a:sym typeface="Nunito Bold"/>
+              </a:rPr>
+              <a:t> per </a:t>
+            </a:r>
+            <a:r>
+              <a:rPr lang="en-US" sz="3499" dirty="0" err="1">
+                <a:solidFill>
+                  <a:srgbClr val="000000"/>
+                </a:solidFill>
+                <a:latin typeface="Nunito Bold"/>
+                <a:ea typeface="Nunito Bold"/>
+                <a:cs typeface="Nunito Bold"/>
+                <a:sym typeface="Nunito Bold"/>
+              </a:rPr>
+              <a:t>acquistare</a:t>
+            </a:r>
+            <a:r>
+              <a:rPr lang="en-US" sz="3499" dirty="0">
+                <a:solidFill>
+                  <a:srgbClr val="000000"/>
+                </a:solidFill>
+                <a:latin typeface="Nunito Bold"/>
+                <a:ea typeface="Nunito Bold"/>
+                <a:cs typeface="Nunito Bold"/>
+                <a:sym typeface="Nunito Bold"/>
+              </a:rPr>
+              <a:t> </a:t>
+            </a:r>
+            <a:r>
+              <a:rPr lang="en-US" sz="3499" dirty="0" err="1">
+                <a:solidFill>
+                  <a:srgbClr val="000000"/>
+                </a:solidFill>
+                <a:latin typeface="Nunito Bold"/>
+                <a:ea typeface="Nunito Bold"/>
+                <a:cs typeface="Nunito Bold"/>
+                <a:sym typeface="Nunito Bold"/>
+              </a:rPr>
+              <a:t>una</a:t>
+            </a:r>
+            <a:r>
+              <a:rPr lang="en-US" sz="3499" dirty="0">
+                <a:solidFill>
+                  <a:srgbClr val="000000"/>
+                </a:solidFill>
+                <a:latin typeface="Nunito Bold"/>
+                <a:ea typeface="Nunito Bold"/>
+                <a:cs typeface="Nunito Bold"/>
+                <a:sym typeface="Nunito Bold"/>
+              </a:rPr>
+              <a:t> </a:t>
+            </a:r>
+            <a:r>
+              <a:rPr lang="en-US" sz="3499" dirty="0" err="1">
+                <a:solidFill>
+                  <a:srgbClr val="000000"/>
+                </a:solidFill>
+                <a:latin typeface="Nunito Bold"/>
+                <a:ea typeface="Nunito Bold"/>
+                <a:cs typeface="Nunito Bold"/>
+                <a:sym typeface="Nunito Bold"/>
+              </a:rPr>
+              <a:t>nuova</a:t>
+            </a:r>
+            <a:r>
+              <a:rPr lang="en-US" sz="3499" dirty="0">
+                <a:solidFill>
+                  <a:srgbClr val="000000"/>
+                </a:solidFill>
+                <a:latin typeface="Nunito Bold"/>
+                <a:ea typeface="Nunito Bold"/>
+                <a:cs typeface="Nunito Bold"/>
+                <a:sym typeface="Nunito Bold"/>
+              </a:rPr>
+              <a:t> SIM.</a:t>
+            </a:r>
+          </a:p>
+        </p:txBody>
+      </p:sp>
+      <p:sp>
+        <p:nvSpPr>
+          <p:cNvPr id="16" name="TextBox 21">
+            <a:extLst>
+              <a:ext uri="{FF2B5EF4-FFF2-40B4-BE49-F238E27FC236}">
+                <a16:creationId xmlns:a16="http://schemas.microsoft.com/office/drawing/2014/main" id="{EAD668FD-CF55-6F7C-B61A-086B1462F366}"/>
+              </a:ext>
+            </a:extLst>
+          </p:cNvPr>
+          <p:cNvSpPr txBox="1"/>
+          <p:nvPr/>
+        </p:nvSpPr>
+        <p:spPr>
+          <a:xfrm>
+            <a:off x="1028700" y="4270644"/>
+            <a:ext cx="4156254" cy="623825"/>
+          </a:xfrm>
+          <a:prstGeom prst="rect">
+            <a:avLst/>
+          </a:prstGeom>
+        </p:spPr>
+        <p:txBody>
+          <a:bodyPr lIns="0" tIns="0" rIns="0" bIns="0" rtlCol="0" anchor="t">
+            <a:spAutoFit/>
+          </a:bodyPr>
+          <a:lstStyle/>
+          <a:p>
+            <a:pPr algn="l">
+              <a:lnSpc>
+                <a:spcPts val="5320"/>
+              </a:lnSpc>
+            </a:pPr>
+            <a:r>
+              <a:rPr lang="en-US" sz="3800" dirty="0">
+                <a:solidFill>
+                  <a:srgbClr val="000000"/>
+                </a:solidFill>
+                <a:latin typeface="Fredoka"/>
+                <a:ea typeface="Fredoka"/>
+                <a:cs typeface="Fredoka"/>
+                <a:sym typeface="Fredoka"/>
+              </a:rPr>
+              <a:t>PRIMA</a:t>
+            </a:r>
+          </a:p>
+        </p:txBody>
+      </p:sp>
+      <p:sp>
+        <p:nvSpPr>
+          <p:cNvPr id="17" name="TextBox 22">
+            <a:extLst>
+              <a:ext uri="{FF2B5EF4-FFF2-40B4-BE49-F238E27FC236}">
+                <a16:creationId xmlns:a16="http://schemas.microsoft.com/office/drawing/2014/main" id="{C6DB1201-D352-3B9E-30EA-EE66823B3284}"/>
+              </a:ext>
+            </a:extLst>
+          </p:cNvPr>
+          <p:cNvSpPr txBox="1"/>
+          <p:nvPr/>
+        </p:nvSpPr>
+        <p:spPr>
+          <a:xfrm>
+            <a:off x="1028700" y="6695967"/>
+            <a:ext cx="4156254" cy="623825"/>
+          </a:xfrm>
+          <a:prstGeom prst="rect">
+            <a:avLst/>
+          </a:prstGeom>
+        </p:spPr>
+        <p:txBody>
+          <a:bodyPr lIns="0" tIns="0" rIns="0" bIns="0" rtlCol="0" anchor="t">
+            <a:spAutoFit/>
+          </a:bodyPr>
+          <a:lstStyle/>
+          <a:p>
+            <a:pPr algn="l">
+              <a:lnSpc>
+                <a:spcPts val="5320"/>
+              </a:lnSpc>
+            </a:pPr>
+            <a:r>
+              <a:rPr lang="en-US" sz="3800" dirty="0">
+                <a:solidFill>
+                  <a:srgbClr val="000000"/>
+                </a:solidFill>
+                <a:latin typeface="Fredoka"/>
+                <a:ea typeface="Fredoka"/>
+                <a:cs typeface="Fredoka"/>
+                <a:sym typeface="Fredoka"/>
+              </a:rPr>
+              <a:t>ORA</a:t>
+            </a:r>
+          </a:p>
+        </p:txBody>
+      </p:sp>
+      <p:sp>
+        <p:nvSpPr>
+          <p:cNvPr id="18" name="TextBox 23">
+            <a:extLst>
+              <a:ext uri="{FF2B5EF4-FFF2-40B4-BE49-F238E27FC236}">
+                <a16:creationId xmlns:a16="http://schemas.microsoft.com/office/drawing/2014/main" id="{978781AF-B456-E582-64A5-D1000F7C0506}"/>
+              </a:ext>
+            </a:extLst>
+          </p:cNvPr>
+          <p:cNvSpPr txBox="1"/>
+          <p:nvPr/>
+        </p:nvSpPr>
+        <p:spPr>
+          <a:xfrm>
+            <a:off x="4800600" y="6076534"/>
+            <a:ext cx="3429000" cy="1862689"/>
+          </a:xfrm>
+          <a:prstGeom prst="rect">
+            <a:avLst/>
+          </a:prstGeom>
+        </p:spPr>
+        <p:txBody>
+          <a:bodyPr wrap="square" lIns="0" tIns="0" rIns="0" bIns="0" rtlCol="0" anchor="t">
+            <a:spAutoFit/>
+          </a:bodyPr>
+          <a:lstStyle/>
+          <a:p>
+            <a:pPr algn="l">
+              <a:lnSpc>
+                <a:spcPts val="4899"/>
+              </a:lnSpc>
+            </a:pPr>
+            <a:r>
+              <a:rPr lang="en-US" sz="3499" dirty="0" err="1">
+                <a:solidFill>
+                  <a:srgbClr val="000000"/>
+                </a:solidFill>
+                <a:latin typeface="Nunito Bold"/>
+                <a:ea typeface="Nunito Bold"/>
+                <a:cs typeface="Nunito Bold"/>
+                <a:sym typeface="Nunito Bold"/>
+              </a:rPr>
+              <a:t>Qualcuno</a:t>
+            </a:r>
+            <a:r>
+              <a:rPr lang="en-US" sz="3499" dirty="0">
+                <a:solidFill>
+                  <a:srgbClr val="000000"/>
+                </a:solidFill>
+                <a:latin typeface="Nunito Bold"/>
+                <a:ea typeface="Nunito Bold"/>
+                <a:cs typeface="Nunito Bold"/>
+                <a:sym typeface="Nunito Bold"/>
+              </a:rPr>
+              <a:t> lo fa per </a:t>
+            </a:r>
+            <a:r>
+              <a:rPr lang="en-US" sz="3499" dirty="0" err="1">
+                <a:solidFill>
+                  <a:srgbClr val="000000"/>
+                </a:solidFill>
+                <a:latin typeface="Nunito Bold"/>
+                <a:ea typeface="Nunito Bold"/>
+                <a:cs typeface="Nunito Bold"/>
+                <a:sym typeface="Nunito Bold"/>
+              </a:rPr>
+              <a:t>noi</a:t>
+            </a:r>
+            <a:r>
+              <a:rPr lang="en-US" sz="3499" dirty="0">
+                <a:solidFill>
+                  <a:srgbClr val="000000"/>
+                </a:solidFill>
+                <a:latin typeface="Nunito Bold"/>
+                <a:ea typeface="Nunito Bold"/>
+                <a:cs typeface="Nunito Bold"/>
+                <a:sym typeface="Nunito Bold"/>
+              </a:rPr>
+              <a:t>: </a:t>
+            </a:r>
+            <a:r>
+              <a:rPr lang="en-US" sz="3499" dirty="0" err="1">
+                <a:solidFill>
+                  <a:srgbClr val="000000"/>
+                </a:solidFill>
+                <a:latin typeface="Nunito Bold"/>
+                <a:ea typeface="Nunito Bold"/>
+                <a:cs typeface="Nunito Bold"/>
+                <a:sym typeface="Nunito Bold"/>
+              </a:rPr>
+              <a:t>avviene</a:t>
+            </a:r>
+            <a:r>
+              <a:rPr lang="en-US" sz="3499" dirty="0">
+                <a:solidFill>
+                  <a:srgbClr val="000000"/>
+                </a:solidFill>
+                <a:latin typeface="Nunito Bold"/>
+                <a:ea typeface="Nunito Bold"/>
+                <a:cs typeface="Nunito Bold"/>
+                <a:sym typeface="Nunito Bold"/>
+              </a:rPr>
+              <a:t> </a:t>
+            </a:r>
+            <a:r>
+              <a:rPr lang="en-US" sz="3499" dirty="0" err="1">
+                <a:solidFill>
+                  <a:srgbClr val="000000"/>
+                </a:solidFill>
+                <a:latin typeface="Nunito Bold"/>
+                <a:ea typeface="Nunito Bold"/>
+                <a:cs typeface="Nunito Bold"/>
+                <a:sym typeface="Nunito Bold"/>
+              </a:rPr>
+              <a:t>tutto</a:t>
+            </a:r>
+            <a:r>
+              <a:rPr lang="en-US" sz="3499" dirty="0">
+                <a:solidFill>
+                  <a:srgbClr val="000000"/>
+                </a:solidFill>
+                <a:latin typeface="Nunito Bold"/>
+                <a:ea typeface="Nunito Bold"/>
+                <a:cs typeface="Nunito Bold"/>
+                <a:sym typeface="Nunito Bold"/>
+              </a:rPr>
+              <a:t> da </a:t>
+            </a:r>
+            <a:r>
+              <a:rPr lang="en-US" sz="3499" dirty="0" err="1">
+                <a:solidFill>
+                  <a:srgbClr val="000000"/>
+                </a:solidFill>
+                <a:latin typeface="Nunito Bold"/>
+                <a:ea typeface="Nunito Bold"/>
+                <a:cs typeface="Nunito Bold"/>
+                <a:sym typeface="Nunito Bold"/>
+              </a:rPr>
+              <a:t>remoto</a:t>
+            </a:r>
+            <a:r>
+              <a:rPr lang="en-US" sz="3499" dirty="0">
+                <a:solidFill>
+                  <a:srgbClr val="000000"/>
+                </a:solidFill>
+                <a:latin typeface="Nunito Bold"/>
+                <a:ea typeface="Nunito Bold"/>
+                <a:cs typeface="Nunito Bold"/>
+                <a:sym typeface="Nunito Bold"/>
+              </a:rPr>
+              <a:t>.</a:t>
+            </a:r>
+          </a:p>
+        </p:txBody>
+      </p:sp>
+      <p:sp>
+        <p:nvSpPr>
+          <p:cNvPr id="19" name="AutoShape 24">
+            <a:extLst>
+              <a:ext uri="{FF2B5EF4-FFF2-40B4-BE49-F238E27FC236}">
+                <a16:creationId xmlns:a16="http://schemas.microsoft.com/office/drawing/2014/main" id="{D72FAD35-3519-17FC-5B50-2B1B3B5699CF}"/>
+              </a:ext>
+            </a:extLst>
+          </p:cNvPr>
+          <p:cNvSpPr/>
+          <p:nvPr/>
+        </p:nvSpPr>
+        <p:spPr>
+          <a:xfrm rot="16230763">
+            <a:off x="2617941" y="4876542"/>
+            <a:ext cx="1755466" cy="3343"/>
+          </a:xfrm>
+          <a:prstGeom prst="line">
+            <a:avLst/>
+          </a:prstGeom>
+          <a:ln w="133350" cap="flat">
+            <a:solidFill>
+              <a:srgbClr val="B2E69D"/>
+            </a:solidFill>
+            <a:prstDash val="solid"/>
+            <a:headEnd type="none" w="sm" len="sm"/>
+            <a:tailEnd type="none" w="sm" len="sm"/>
+          </a:ln>
+        </p:spPr>
+      </p:sp>
+      <p:sp>
+        <p:nvSpPr>
+          <p:cNvPr id="21" name="Freeform 26">
+            <a:extLst>
+              <a:ext uri="{FF2B5EF4-FFF2-40B4-BE49-F238E27FC236}">
+                <a16:creationId xmlns:a16="http://schemas.microsoft.com/office/drawing/2014/main" id="{B8404711-7EFF-682D-041E-3022E9F77820}"/>
+              </a:ext>
+            </a:extLst>
+          </p:cNvPr>
+          <p:cNvSpPr/>
+          <p:nvPr/>
+        </p:nvSpPr>
+        <p:spPr>
+          <a:xfrm rot="9999176" flipH="1">
+            <a:off x="-1316676" y="1716564"/>
+            <a:ext cx="2537840" cy="2297899"/>
+          </a:xfrm>
+          <a:custGeom>
+            <a:avLst/>
+            <a:gdLst/>
+            <a:ahLst/>
+            <a:cxnLst/>
+            <a:rect l="l" t="t" r="r" b="b"/>
+            <a:pathLst>
+              <a:path w="2537840" h="2297899">
+                <a:moveTo>
+                  <a:pt x="2537840" y="0"/>
+                </a:moveTo>
+                <a:lnTo>
+                  <a:pt x="0" y="0"/>
+                </a:lnTo>
+                <a:lnTo>
+                  <a:pt x="0" y="2297898"/>
+                </a:lnTo>
+                <a:lnTo>
+                  <a:pt x="2537840" y="2297898"/>
+                </a:lnTo>
+                <a:lnTo>
+                  <a:pt x="2537840" y="0"/>
+                </a:lnTo>
+                <a:close/>
+              </a:path>
+            </a:pathLst>
+          </a:custGeom>
+          <a:blipFill>
+            <a:blip r:embed="rId2">
+              <a:extLst>
+                <a:ext uri="{96DAC541-7B7A-43D3-8B79-37D633B846F1}">
+                  <asvg:svgBlip xmlns:asvg="http://schemas.microsoft.com/office/drawing/2016/SVG/main" r:embed="rId3"/>
+                </a:ext>
+              </a:extLst>
+            </a:blip>
+            <a:stretch>
+              <a:fillRect/>
+            </a:stretch>
+          </a:blipFill>
+        </p:spPr>
+      </p:sp>
+      <p:sp>
+        <p:nvSpPr>
+          <p:cNvPr id="26" name="AutoShape 24">
+            <a:extLst>
+              <a:ext uri="{FF2B5EF4-FFF2-40B4-BE49-F238E27FC236}">
+                <a16:creationId xmlns:a16="http://schemas.microsoft.com/office/drawing/2014/main" id="{78DAC57D-DF6E-1838-A17C-988BBC3EEEB3}"/>
+              </a:ext>
+            </a:extLst>
+          </p:cNvPr>
+          <p:cNvSpPr/>
+          <p:nvPr/>
+        </p:nvSpPr>
+        <p:spPr>
+          <a:xfrm rot="16230763">
+            <a:off x="2598889" y="7006209"/>
+            <a:ext cx="1755466" cy="3343"/>
+          </a:xfrm>
+          <a:prstGeom prst="line">
+            <a:avLst/>
+          </a:prstGeom>
+          <a:ln w="133350" cap="flat">
+            <a:solidFill>
+              <a:srgbClr val="B2E69D"/>
+            </a:solidFill>
+            <a:prstDash val="solid"/>
+            <a:headEnd type="none" w="sm" len="sm"/>
+            <a:tailEnd type="none" w="sm" len="sm"/>
+          </a:ln>
+        </p:spPr>
+      </p:sp>
+      <p:sp>
+        <p:nvSpPr>
+          <p:cNvPr id="30" name="Freccia a destra 29">
+            <a:extLst>
+              <a:ext uri="{FF2B5EF4-FFF2-40B4-BE49-F238E27FC236}">
+                <a16:creationId xmlns:a16="http://schemas.microsoft.com/office/drawing/2014/main" id="{20932D2A-4BA8-F5E5-1CE2-A0BFE59BD436}"/>
+              </a:ext>
+            </a:extLst>
+          </p:cNvPr>
+          <p:cNvSpPr/>
+          <p:nvPr/>
+        </p:nvSpPr>
+        <p:spPr>
+          <a:xfrm>
+            <a:off x="8764577" y="6012104"/>
+            <a:ext cx="2244546" cy="1993434"/>
+          </a:xfrm>
+          <a:prstGeom prst="rightArrow">
+            <a:avLst/>
+          </a:prstGeom>
+          <a:solidFill>
+            <a:srgbClr val="B2E69D"/>
+          </a:solidFill>
+          <a:ln>
+            <a:solidFill>
+              <a:srgbClr val="B2E69D"/>
+            </a:solidFill>
+          </a:ln>
+        </p:spPr>
+        <p:style>
+          <a:lnRef idx="2">
+            <a:schemeClr val="accent1">
+              <a:shade val="15000"/>
+            </a:schemeClr>
+          </a:lnRef>
+          <a:fillRef idx="1">
+            <a:schemeClr val="accent1"/>
+          </a:fillRef>
+          <a:effectRef idx="0">
+            <a:schemeClr val="accent1"/>
+          </a:effectRef>
+          <a:fontRef idx="minor">
+            <a:schemeClr val="lt1"/>
+          </a:fontRef>
+        </p:style>
+        <p:txBody>
+          <a:bodyPr rtlCol="0" anchor="ctr"/>
+          <a:lstStyle/>
+          <a:p>
+            <a:pPr algn="ctr"/>
+            <a:endParaRPr lang="it-IT"/>
+          </a:p>
+        </p:txBody>
+      </p:sp>
+      <p:sp>
+        <p:nvSpPr>
+          <p:cNvPr id="31" name="TextBox 23">
+            <a:extLst>
+              <a:ext uri="{FF2B5EF4-FFF2-40B4-BE49-F238E27FC236}">
+                <a16:creationId xmlns:a16="http://schemas.microsoft.com/office/drawing/2014/main" id="{2525D03F-1F28-5AEC-945C-D1CEDE570F49}"/>
+              </a:ext>
+            </a:extLst>
+          </p:cNvPr>
+          <p:cNvSpPr txBox="1"/>
+          <p:nvPr/>
+        </p:nvSpPr>
+        <p:spPr>
+          <a:xfrm>
+            <a:off x="11544100" y="6071037"/>
+            <a:ext cx="5604054" cy="1862689"/>
+          </a:xfrm>
+          <a:prstGeom prst="rect">
+            <a:avLst/>
+          </a:prstGeom>
+        </p:spPr>
+        <p:txBody>
+          <a:bodyPr wrap="square" lIns="0" tIns="0" rIns="0" bIns="0" rtlCol="0" anchor="t">
+            <a:spAutoFit/>
+          </a:bodyPr>
+          <a:lstStyle/>
+          <a:p>
+            <a:pPr algn="l">
+              <a:lnSpc>
+                <a:spcPts val="4899"/>
+              </a:lnSpc>
+            </a:pPr>
+            <a:r>
+              <a:rPr lang="en-US" sz="3499" dirty="0">
+                <a:solidFill>
+                  <a:srgbClr val="000000"/>
+                </a:solidFill>
+                <a:latin typeface="Nunito Bold"/>
+                <a:ea typeface="Nunito Bold"/>
+                <a:cs typeface="Nunito Bold"/>
+                <a:sym typeface="Nunito Bold"/>
+              </a:rPr>
+              <a:t>DUBBI:</a:t>
+            </a:r>
+          </a:p>
+          <a:p>
+            <a:pPr algn="l">
+              <a:lnSpc>
+                <a:spcPts val="4899"/>
+              </a:lnSpc>
+            </a:pPr>
+            <a:r>
+              <a:rPr lang="en-US" sz="3499" dirty="0" err="1">
+                <a:solidFill>
+                  <a:srgbClr val="000000"/>
+                </a:solidFill>
+                <a:latin typeface="Nunito Bold"/>
+                <a:ea typeface="Nunito Bold"/>
+                <a:cs typeface="Nunito Bold"/>
+                <a:sym typeface="Nunito Bold"/>
+              </a:rPr>
+              <a:t>Viene</a:t>
+            </a:r>
+            <a:r>
+              <a:rPr lang="en-US" sz="3499" dirty="0">
+                <a:solidFill>
+                  <a:srgbClr val="000000"/>
+                </a:solidFill>
+                <a:latin typeface="Nunito Bold"/>
+                <a:ea typeface="Nunito Bold"/>
+                <a:cs typeface="Nunito Bold"/>
+                <a:sym typeface="Nunito Bold"/>
+              </a:rPr>
+              <a:t> </a:t>
+            </a:r>
+            <a:r>
+              <a:rPr lang="en-US" sz="3499" dirty="0" err="1">
+                <a:solidFill>
+                  <a:srgbClr val="000000"/>
+                </a:solidFill>
+                <a:latin typeface="Nunito Bold"/>
+                <a:ea typeface="Nunito Bold"/>
+                <a:cs typeface="Nunito Bold"/>
+                <a:sym typeface="Nunito Bold"/>
+              </a:rPr>
+              <a:t>fatto</a:t>
+            </a:r>
+            <a:r>
+              <a:rPr lang="en-US" sz="3499" dirty="0">
+                <a:solidFill>
+                  <a:srgbClr val="000000"/>
+                </a:solidFill>
+                <a:latin typeface="Nunito Bold"/>
+                <a:ea typeface="Nunito Bold"/>
+                <a:cs typeface="Nunito Bold"/>
+                <a:sym typeface="Nunito Bold"/>
+              </a:rPr>
+              <a:t> bene?</a:t>
+            </a:r>
+          </a:p>
+          <a:p>
+            <a:pPr algn="l">
+              <a:lnSpc>
+                <a:spcPts val="4899"/>
+              </a:lnSpc>
+            </a:pPr>
+            <a:r>
+              <a:rPr lang="en-US" sz="3499" dirty="0" err="1">
+                <a:solidFill>
+                  <a:srgbClr val="000000"/>
+                </a:solidFill>
+                <a:latin typeface="Nunito Bold"/>
+                <a:ea typeface="Nunito Bold"/>
+                <a:cs typeface="Nunito Bold"/>
+                <a:sym typeface="Nunito Bold"/>
+              </a:rPr>
+              <a:t>Viene</a:t>
+            </a:r>
+            <a:r>
+              <a:rPr lang="en-US" sz="3499" dirty="0">
+                <a:solidFill>
+                  <a:srgbClr val="000000"/>
+                </a:solidFill>
+                <a:latin typeface="Nunito Bold"/>
+                <a:ea typeface="Nunito Bold"/>
+                <a:cs typeface="Nunito Bold"/>
+                <a:sym typeface="Nunito Bold"/>
+              </a:rPr>
+              <a:t> </a:t>
+            </a:r>
+            <a:r>
+              <a:rPr lang="en-US" sz="3499" dirty="0" err="1">
+                <a:solidFill>
+                  <a:srgbClr val="000000"/>
+                </a:solidFill>
+                <a:latin typeface="Nunito Bold"/>
+                <a:ea typeface="Nunito Bold"/>
+                <a:cs typeface="Nunito Bold"/>
+                <a:sym typeface="Nunito Bold"/>
+              </a:rPr>
+              <a:t>garantita</a:t>
+            </a:r>
+            <a:r>
+              <a:rPr lang="en-US" sz="3499" dirty="0">
+                <a:solidFill>
+                  <a:srgbClr val="000000"/>
+                </a:solidFill>
+                <a:latin typeface="Nunito Bold"/>
+                <a:ea typeface="Nunito Bold"/>
+                <a:cs typeface="Nunito Bold"/>
+                <a:sym typeface="Nunito Bold"/>
+              </a:rPr>
+              <a:t> </a:t>
+            </a:r>
+            <a:r>
+              <a:rPr lang="en-US" sz="3499" dirty="0" err="1">
+                <a:solidFill>
+                  <a:srgbClr val="000000"/>
+                </a:solidFill>
+                <a:latin typeface="Nunito Bold"/>
+                <a:ea typeface="Nunito Bold"/>
+                <a:cs typeface="Nunito Bold"/>
+                <a:sym typeface="Nunito Bold"/>
+              </a:rPr>
+              <a:t>sicurezza</a:t>
+            </a:r>
+            <a:r>
+              <a:rPr lang="en-US" sz="3499" dirty="0">
+                <a:solidFill>
+                  <a:srgbClr val="000000"/>
+                </a:solidFill>
+                <a:latin typeface="Nunito Bold"/>
+                <a:ea typeface="Nunito Bold"/>
+                <a:cs typeface="Nunito Bold"/>
+                <a:sym typeface="Nunito Bold"/>
+              </a:rPr>
+              <a:t>?</a:t>
+            </a:r>
+          </a:p>
+        </p:txBody>
+      </p:sp>
+      <p:sp>
+        <p:nvSpPr>
+          <p:cNvPr id="32" name="TextBox 20">
+            <a:extLst>
+              <a:ext uri="{FF2B5EF4-FFF2-40B4-BE49-F238E27FC236}">
+                <a16:creationId xmlns:a16="http://schemas.microsoft.com/office/drawing/2014/main" id="{E60B1E3F-AEBD-26A4-52C3-75FDE2239D0C}"/>
+              </a:ext>
+            </a:extLst>
+          </p:cNvPr>
+          <p:cNvSpPr txBox="1"/>
+          <p:nvPr/>
+        </p:nvSpPr>
+        <p:spPr>
+          <a:xfrm>
+            <a:off x="2438400" y="2445668"/>
+            <a:ext cx="5649738" cy="655949"/>
+          </a:xfrm>
+          <a:prstGeom prst="rect">
+            <a:avLst/>
+          </a:prstGeom>
+        </p:spPr>
+        <p:txBody>
+          <a:bodyPr wrap="square" lIns="0" tIns="0" rIns="0" bIns="0" rtlCol="0" anchor="t">
+            <a:spAutoFit/>
+          </a:bodyPr>
+          <a:lstStyle/>
+          <a:p>
+            <a:pPr marL="457200" indent="-457200" algn="l">
+              <a:lnSpc>
+                <a:spcPts val="4899"/>
+              </a:lnSpc>
+              <a:buFont typeface="Arial" panose="020B0604020202020204" pitchFamily="34" charset="0"/>
+              <a:buChar char="•"/>
+            </a:pPr>
+            <a:r>
+              <a:rPr lang="en-US" sz="4800" dirty="0" err="1">
+                <a:solidFill>
+                  <a:srgbClr val="000000"/>
+                </a:solidFill>
+                <a:latin typeface="Nunito Bold"/>
+                <a:ea typeface="Nunito Bold"/>
+                <a:cs typeface="Nunito Bold"/>
+                <a:sym typeface="Nunito Bold"/>
+              </a:rPr>
+              <a:t>Sicurezza</a:t>
+            </a:r>
+            <a:r>
+              <a:rPr lang="en-US" sz="4800" dirty="0">
+                <a:solidFill>
+                  <a:srgbClr val="000000"/>
+                </a:solidFill>
+                <a:latin typeface="Nunito Bold"/>
+                <a:ea typeface="Nunito Bold"/>
+                <a:cs typeface="Nunito Bold"/>
+                <a:sym typeface="Nunito Bold"/>
+              </a:rPr>
+              <a:t> mobile</a:t>
+            </a:r>
+            <a:endParaRPr lang="en-US" sz="4800" dirty="0">
+              <a:solidFill>
+                <a:srgbClr val="000000"/>
+              </a:solidFill>
+              <a:latin typeface="Nunito" pitchFamily="2" charset="0"/>
+              <a:ea typeface="Nunito Bold"/>
+              <a:cs typeface="Nunito Bold"/>
+              <a:sym typeface="Nunito Bold"/>
+            </a:endParaRPr>
+          </a:p>
+        </p:txBody>
+      </p:sp>
+      <p:sp>
+        <p:nvSpPr>
+          <p:cNvPr id="36" name="Freeform 16">
+            <a:extLst>
+              <a:ext uri="{FF2B5EF4-FFF2-40B4-BE49-F238E27FC236}">
+                <a16:creationId xmlns:a16="http://schemas.microsoft.com/office/drawing/2014/main" id="{B276EAF1-D246-6B90-9739-FD2DEEB5171E}"/>
+              </a:ext>
+            </a:extLst>
+          </p:cNvPr>
+          <p:cNvSpPr/>
+          <p:nvPr/>
+        </p:nvSpPr>
+        <p:spPr>
+          <a:xfrm>
+            <a:off x="8050038" y="2444624"/>
+            <a:ext cx="1779762" cy="565276"/>
+          </a:xfrm>
+          <a:custGeom>
+            <a:avLst/>
+            <a:gdLst/>
+            <a:ahLst/>
+            <a:cxnLst/>
+            <a:rect l="l" t="t" r="r" b="b"/>
+            <a:pathLst>
+              <a:path w="3395204" h="1049427">
+                <a:moveTo>
+                  <a:pt x="0" y="0"/>
+                </a:moveTo>
+                <a:lnTo>
+                  <a:pt x="3395204" y="0"/>
+                </a:lnTo>
+                <a:lnTo>
+                  <a:pt x="3395204" y="1049427"/>
+                </a:lnTo>
+                <a:lnTo>
+                  <a:pt x="0" y="1049427"/>
+                </a:lnTo>
+                <a:lnTo>
+                  <a:pt x="0" y="0"/>
+                </a:lnTo>
+                <a:close/>
+              </a:path>
+            </a:pathLst>
+          </a:custGeom>
+          <a:blipFill>
+            <a:blip r:embed="rId4">
+              <a:extLst>
+                <a:ext uri="{96DAC541-7B7A-43D3-8B79-37D633B846F1}">
+                  <asvg:svgBlip xmlns:asvg="http://schemas.microsoft.com/office/drawing/2016/SVG/main" r:embed="rId5"/>
+                </a:ext>
+              </a:extLst>
+            </a:blip>
+            <a:stretch>
+              <a:fillRect/>
+            </a:stretch>
+          </a:blipFill>
+        </p:spPr>
+        <p:txBody>
+          <a:bodyPr/>
+          <a:lstStyle/>
+          <a:p>
+            <a:endParaRPr lang="it-IT" dirty="0"/>
+          </a:p>
+        </p:txBody>
+      </p:sp>
+      <p:sp>
+        <p:nvSpPr>
+          <p:cNvPr id="37" name="TextBox 20">
+            <a:extLst>
+              <a:ext uri="{FF2B5EF4-FFF2-40B4-BE49-F238E27FC236}">
+                <a16:creationId xmlns:a16="http://schemas.microsoft.com/office/drawing/2014/main" id="{437247A4-53B1-06A3-0878-9C433DE867BF}"/>
+              </a:ext>
+            </a:extLst>
+          </p:cNvPr>
+          <p:cNvSpPr txBox="1"/>
+          <p:nvPr/>
+        </p:nvSpPr>
+        <p:spPr>
+          <a:xfrm>
+            <a:off x="10204757" y="2453565"/>
+            <a:ext cx="5649738" cy="655949"/>
+          </a:xfrm>
+          <a:prstGeom prst="rect">
+            <a:avLst/>
+          </a:prstGeom>
+        </p:spPr>
+        <p:txBody>
+          <a:bodyPr wrap="square" lIns="0" tIns="0" rIns="0" bIns="0" rtlCol="0" anchor="t">
+            <a:spAutoFit/>
+          </a:bodyPr>
+          <a:lstStyle/>
+          <a:p>
+            <a:pPr algn="l">
+              <a:lnSpc>
+                <a:spcPts val="4899"/>
+              </a:lnSpc>
+            </a:pPr>
+            <a:r>
+              <a:rPr lang="en-US" sz="4800" dirty="0">
+                <a:solidFill>
+                  <a:srgbClr val="000000"/>
+                </a:solidFill>
+                <a:latin typeface="Nunito" pitchFamily="2" charset="0"/>
+                <a:ea typeface="Nunito Bold"/>
+                <a:cs typeface="Nunito Bold"/>
+                <a:sym typeface="Nunito Bold"/>
+              </a:rPr>
+              <a:t>nuovo </a:t>
+            </a:r>
+            <a:r>
+              <a:rPr lang="en-US" sz="4800" dirty="0" err="1">
+                <a:solidFill>
+                  <a:srgbClr val="000000"/>
+                </a:solidFill>
+                <a:latin typeface="Nunito" pitchFamily="2" charset="0"/>
+                <a:ea typeface="Nunito Bold"/>
+                <a:cs typeface="Nunito Bold"/>
+                <a:sym typeface="Nunito Bold"/>
+              </a:rPr>
+              <a:t>attore</a:t>
+            </a:r>
+            <a:r>
+              <a:rPr lang="en-US" sz="4800" dirty="0">
+                <a:solidFill>
+                  <a:srgbClr val="000000"/>
+                </a:solidFill>
+                <a:latin typeface="Nunito" pitchFamily="2" charset="0"/>
+                <a:ea typeface="Nunito Bold"/>
+                <a:cs typeface="Nunito Bold"/>
+                <a:sym typeface="Nunito Bold"/>
+              </a:rPr>
+              <a:t>: </a:t>
+            </a:r>
+            <a:r>
+              <a:rPr lang="en-US" sz="4800" dirty="0" err="1">
+                <a:solidFill>
+                  <a:srgbClr val="000000"/>
+                </a:solidFill>
+                <a:latin typeface="Nunito Bold"/>
+                <a:ea typeface="Nunito Bold"/>
+                <a:cs typeface="Nunito Bold"/>
+                <a:sym typeface="Nunito Bold"/>
+              </a:rPr>
+              <a:t>eSIM</a:t>
+            </a:r>
+            <a:endParaRPr lang="en-US" sz="4800" dirty="0">
+              <a:solidFill>
+                <a:srgbClr val="000000"/>
+              </a:solidFill>
+              <a:latin typeface="Nunito" pitchFamily="2" charset="0"/>
+              <a:ea typeface="Nunito Bold"/>
+              <a:cs typeface="Nunito Bold"/>
+              <a:sym typeface="Nunito Bold"/>
+            </a:endParaRPr>
+          </a:p>
+        </p:txBody>
+      </p:sp>
     </p:spTree>
     <p:extLst>
       <p:ext uri="{BB962C8B-B14F-4D97-AF65-F5344CB8AC3E}">
@@ -28787,6 +29650,605 @@
       </p:transition>
     </mc:Fallback>
   </mc:AlternateContent>
+  <p:timing>
+    <p:tnLst>
+      <p:par>
+        <p:cTn id="1" dur="indefinite" restart="never" nodeType="tmRoot">
+          <p:childTnLst>
+            <p:seq concurrent="1" nextAc="seek">
+              <p:cTn id="2" dur="indefinite" nodeType="mainSeq">
+                <p:childTnLst>
+                  <p:par>
+                    <p:cTn id="3" fill="hold">
+                      <p:stCondLst>
+                        <p:cond delay="indefinite"/>
+                      </p:stCondLst>
+                      <p:childTnLst>
+                        <p:par>
+                          <p:cTn id="4" fill="hold">
+                            <p:stCondLst>
+                              <p:cond delay="0"/>
+                            </p:stCondLst>
+                            <p:childTnLst>
+                              <p:par>
+                                <p:cTn id="5" presetID="10" presetClass="entr" presetSubtype="0" fill="hold" grpId="0" nodeType="clickEffect">
+                                  <p:stCondLst>
+                                    <p:cond delay="0"/>
+                                  </p:stCondLst>
+                                  <p:childTnLst>
+                                    <p:set>
+                                      <p:cBhvr>
+                                        <p:cTn id="6" dur="1" fill="hold">
+                                          <p:stCondLst>
+                                            <p:cond delay="0"/>
+                                          </p:stCondLst>
+                                        </p:cTn>
+                                        <p:tgtEl>
+                                          <p:spTgt spid="32"/>
+                                        </p:tgtEl>
+                                        <p:attrNameLst>
+                                          <p:attrName>style.visibility</p:attrName>
+                                        </p:attrNameLst>
+                                      </p:cBhvr>
+                                      <p:to>
+                                        <p:strVal val="visible"/>
+                                      </p:to>
+                                    </p:set>
+                                    <p:animEffect transition="in" filter="fade">
+                                      <p:cBhvr>
+                                        <p:cTn id="7" dur="500"/>
+                                        <p:tgtEl>
+                                          <p:spTgt spid="32"/>
+                                        </p:tgtEl>
+                                      </p:cBhvr>
+                                    </p:animEffect>
+                                  </p:childTnLst>
+                                </p:cTn>
+                              </p:par>
+                              <p:par>
+                                <p:cTn id="8" presetID="53" presetClass="entr" presetSubtype="16" fill="hold" grpId="0" nodeType="withEffect">
+                                  <p:stCondLst>
+                                    <p:cond delay="0"/>
+                                  </p:stCondLst>
+                                  <p:childTnLst>
+                                    <p:set>
+                                      <p:cBhvr>
+                                        <p:cTn id="9" dur="1" fill="hold">
+                                          <p:stCondLst>
+                                            <p:cond delay="0"/>
+                                          </p:stCondLst>
+                                        </p:cTn>
+                                        <p:tgtEl>
+                                          <p:spTgt spid="36"/>
+                                        </p:tgtEl>
+                                        <p:attrNameLst>
+                                          <p:attrName>style.visibility</p:attrName>
+                                        </p:attrNameLst>
+                                      </p:cBhvr>
+                                      <p:to>
+                                        <p:strVal val="visible"/>
+                                      </p:to>
+                                    </p:set>
+                                    <p:anim calcmode="lin" valueType="num">
+                                      <p:cBhvr>
+                                        <p:cTn id="10" dur="500" fill="hold"/>
+                                        <p:tgtEl>
+                                          <p:spTgt spid="36"/>
+                                        </p:tgtEl>
+                                        <p:attrNameLst>
+                                          <p:attrName>ppt_w</p:attrName>
+                                        </p:attrNameLst>
+                                      </p:cBhvr>
+                                      <p:tavLst>
+                                        <p:tav tm="0">
+                                          <p:val>
+                                            <p:fltVal val="0"/>
+                                          </p:val>
+                                        </p:tav>
+                                        <p:tav tm="100000">
+                                          <p:val>
+                                            <p:strVal val="#ppt_w"/>
+                                          </p:val>
+                                        </p:tav>
+                                      </p:tavLst>
+                                    </p:anim>
+                                    <p:anim calcmode="lin" valueType="num">
+                                      <p:cBhvr>
+                                        <p:cTn id="11" dur="500" fill="hold"/>
+                                        <p:tgtEl>
+                                          <p:spTgt spid="36"/>
+                                        </p:tgtEl>
+                                        <p:attrNameLst>
+                                          <p:attrName>ppt_h</p:attrName>
+                                        </p:attrNameLst>
+                                      </p:cBhvr>
+                                      <p:tavLst>
+                                        <p:tav tm="0">
+                                          <p:val>
+                                            <p:fltVal val="0"/>
+                                          </p:val>
+                                        </p:tav>
+                                        <p:tav tm="100000">
+                                          <p:val>
+                                            <p:strVal val="#ppt_h"/>
+                                          </p:val>
+                                        </p:tav>
+                                      </p:tavLst>
+                                    </p:anim>
+                                    <p:animEffect transition="in" filter="fade">
+                                      <p:cBhvr>
+                                        <p:cTn id="12" dur="500"/>
+                                        <p:tgtEl>
+                                          <p:spTgt spid="36"/>
+                                        </p:tgtEl>
+                                      </p:cBhvr>
+                                    </p:animEffect>
+                                  </p:childTnLst>
+                                </p:cTn>
+                              </p:par>
+                              <p:par>
+                                <p:cTn id="13" presetID="10" presetClass="entr" presetSubtype="0" fill="hold" grpId="0" nodeType="withEffect">
+                                  <p:stCondLst>
+                                    <p:cond delay="0"/>
+                                  </p:stCondLst>
+                                  <p:childTnLst>
+                                    <p:set>
+                                      <p:cBhvr>
+                                        <p:cTn id="14" dur="1" fill="hold">
+                                          <p:stCondLst>
+                                            <p:cond delay="0"/>
+                                          </p:stCondLst>
+                                        </p:cTn>
+                                        <p:tgtEl>
+                                          <p:spTgt spid="37"/>
+                                        </p:tgtEl>
+                                        <p:attrNameLst>
+                                          <p:attrName>style.visibility</p:attrName>
+                                        </p:attrNameLst>
+                                      </p:cBhvr>
+                                      <p:to>
+                                        <p:strVal val="visible"/>
+                                      </p:to>
+                                    </p:set>
+                                    <p:animEffect transition="in" filter="fade">
+                                      <p:cBhvr>
+                                        <p:cTn id="15" dur="500"/>
+                                        <p:tgtEl>
+                                          <p:spTgt spid="37"/>
+                                        </p:tgtEl>
+                                      </p:cBhvr>
+                                    </p:animEffect>
+                                  </p:childTnLst>
+                                </p:cTn>
+                              </p:par>
+                            </p:childTnLst>
+                          </p:cTn>
+                        </p:par>
+                      </p:childTnLst>
+                    </p:cTn>
+                  </p:par>
+                  <p:par>
+                    <p:cTn id="16" fill="hold">
+                      <p:stCondLst>
+                        <p:cond delay="indefinite"/>
+                      </p:stCondLst>
+                      <p:childTnLst>
+                        <p:par>
+                          <p:cTn id="17" fill="hold">
+                            <p:stCondLst>
+                              <p:cond delay="0"/>
+                            </p:stCondLst>
+                            <p:childTnLst>
+                              <p:par>
+                                <p:cTn id="18" presetID="10" presetClass="entr" presetSubtype="0" fill="hold" grpId="0" nodeType="clickEffect">
+                                  <p:stCondLst>
+                                    <p:cond delay="0"/>
+                                  </p:stCondLst>
+                                  <p:childTnLst>
+                                    <p:set>
+                                      <p:cBhvr>
+                                        <p:cTn id="19" dur="1" fill="hold">
+                                          <p:stCondLst>
+                                            <p:cond delay="0"/>
+                                          </p:stCondLst>
+                                        </p:cTn>
+                                        <p:tgtEl>
+                                          <p:spTgt spid="16"/>
+                                        </p:tgtEl>
+                                        <p:attrNameLst>
+                                          <p:attrName>style.visibility</p:attrName>
+                                        </p:attrNameLst>
+                                      </p:cBhvr>
+                                      <p:to>
+                                        <p:strVal val="visible"/>
+                                      </p:to>
+                                    </p:set>
+                                    <p:animEffect transition="in" filter="fade">
+                                      <p:cBhvr>
+                                        <p:cTn id="20" dur="500"/>
+                                        <p:tgtEl>
+                                          <p:spTgt spid="16"/>
+                                        </p:tgtEl>
+                                      </p:cBhvr>
+                                    </p:animEffect>
+                                  </p:childTnLst>
+                                </p:cTn>
+                              </p:par>
+                              <p:par>
+                                <p:cTn id="21" presetID="10" presetClass="entr" presetSubtype="0" fill="hold" nodeType="withEffect">
+                                  <p:stCondLst>
+                                    <p:cond delay="0"/>
+                                  </p:stCondLst>
+                                  <p:childTnLst>
+                                    <p:set>
+                                      <p:cBhvr>
+                                        <p:cTn id="22" dur="1" fill="hold">
+                                          <p:stCondLst>
+                                            <p:cond delay="0"/>
+                                          </p:stCondLst>
+                                        </p:cTn>
+                                        <p:tgtEl>
+                                          <p:spTgt spid="19"/>
+                                        </p:tgtEl>
+                                        <p:attrNameLst>
+                                          <p:attrName>style.visibility</p:attrName>
+                                        </p:attrNameLst>
+                                      </p:cBhvr>
+                                      <p:to>
+                                        <p:strVal val="visible"/>
+                                      </p:to>
+                                    </p:set>
+                                    <p:animEffect transition="in" filter="fade">
+                                      <p:cBhvr>
+                                        <p:cTn id="23" dur="500"/>
+                                        <p:tgtEl>
+                                          <p:spTgt spid="19"/>
+                                        </p:tgtEl>
+                                      </p:cBhvr>
+                                    </p:animEffect>
+                                  </p:childTnLst>
+                                </p:cTn>
+                              </p:par>
+                              <p:par>
+                                <p:cTn id="24" presetID="10" presetClass="entr" presetSubtype="0" fill="hold" grpId="0" nodeType="withEffect">
+                                  <p:stCondLst>
+                                    <p:cond delay="0"/>
+                                  </p:stCondLst>
+                                  <p:childTnLst>
+                                    <p:set>
+                                      <p:cBhvr>
+                                        <p:cTn id="25" dur="1" fill="hold">
+                                          <p:stCondLst>
+                                            <p:cond delay="0"/>
+                                          </p:stCondLst>
+                                        </p:cTn>
+                                        <p:tgtEl>
+                                          <p:spTgt spid="15"/>
+                                        </p:tgtEl>
+                                        <p:attrNameLst>
+                                          <p:attrName>style.visibility</p:attrName>
+                                        </p:attrNameLst>
+                                      </p:cBhvr>
+                                      <p:to>
+                                        <p:strVal val="visible"/>
+                                      </p:to>
+                                    </p:set>
+                                    <p:animEffect transition="in" filter="fade">
+                                      <p:cBhvr>
+                                        <p:cTn id="26" dur="500"/>
+                                        <p:tgtEl>
+                                          <p:spTgt spid="15"/>
+                                        </p:tgtEl>
+                                      </p:cBhvr>
+                                    </p:animEffect>
+                                  </p:childTnLst>
+                                </p:cTn>
+                              </p:par>
+                            </p:childTnLst>
+                          </p:cTn>
+                        </p:par>
+                      </p:childTnLst>
+                    </p:cTn>
+                  </p:par>
+                  <p:par>
+                    <p:cTn id="27" fill="hold">
+                      <p:stCondLst>
+                        <p:cond delay="indefinite"/>
+                      </p:stCondLst>
+                      <p:childTnLst>
+                        <p:par>
+                          <p:cTn id="28" fill="hold">
+                            <p:stCondLst>
+                              <p:cond delay="0"/>
+                            </p:stCondLst>
+                            <p:childTnLst>
+                              <p:par>
+                                <p:cTn id="29" presetID="10" presetClass="entr" presetSubtype="0" fill="hold" grpId="0" nodeType="clickEffect">
+                                  <p:stCondLst>
+                                    <p:cond delay="0"/>
+                                  </p:stCondLst>
+                                  <p:childTnLst>
+                                    <p:set>
+                                      <p:cBhvr>
+                                        <p:cTn id="30" dur="1" fill="hold">
+                                          <p:stCondLst>
+                                            <p:cond delay="0"/>
+                                          </p:stCondLst>
+                                        </p:cTn>
+                                        <p:tgtEl>
+                                          <p:spTgt spid="17"/>
+                                        </p:tgtEl>
+                                        <p:attrNameLst>
+                                          <p:attrName>style.visibility</p:attrName>
+                                        </p:attrNameLst>
+                                      </p:cBhvr>
+                                      <p:to>
+                                        <p:strVal val="visible"/>
+                                      </p:to>
+                                    </p:set>
+                                    <p:animEffect transition="in" filter="fade">
+                                      <p:cBhvr>
+                                        <p:cTn id="31" dur="500"/>
+                                        <p:tgtEl>
+                                          <p:spTgt spid="17"/>
+                                        </p:tgtEl>
+                                      </p:cBhvr>
+                                    </p:animEffect>
+                                  </p:childTnLst>
+                                </p:cTn>
+                              </p:par>
+                              <p:par>
+                                <p:cTn id="32" presetID="10" presetClass="entr" presetSubtype="0" fill="hold" nodeType="withEffect">
+                                  <p:stCondLst>
+                                    <p:cond delay="0"/>
+                                  </p:stCondLst>
+                                  <p:childTnLst>
+                                    <p:set>
+                                      <p:cBhvr>
+                                        <p:cTn id="33" dur="1" fill="hold">
+                                          <p:stCondLst>
+                                            <p:cond delay="0"/>
+                                          </p:stCondLst>
+                                        </p:cTn>
+                                        <p:tgtEl>
+                                          <p:spTgt spid="26"/>
+                                        </p:tgtEl>
+                                        <p:attrNameLst>
+                                          <p:attrName>style.visibility</p:attrName>
+                                        </p:attrNameLst>
+                                      </p:cBhvr>
+                                      <p:to>
+                                        <p:strVal val="visible"/>
+                                      </p:to>
+                                    </p:set>
+                                    <p:animEffect transition="in" filter="fade">
+                                      <p:cBhvr>
+                                        <p:cTn id="34" dur="500"/>
+                                        <p:tgtEl>
+                                          <p:spTgt spid="26"/>
+                                        </p:tgtEl>
+                                      </p:cBhvr>
+                                    </p:animEffect>
+                                  </p:childTnLst>
+                                </p:cTn>
+                              </p:par>
+                              <p:par>
+                                <p:cTn id="35" presetID="10" presetClass="entr" presetSubtype="0" fill="hold" grpId="0" nodeType="withEffect">
+                                  <p:stCondLst>
+                                    <p:cond delay="0"/>
+                                  </p:stCondLst>
+                                  <p:childTnLst>
+                                    <p:set>
+                                      <p:cBhvr>
+                                        <p:cTn id="36" dur="1" fill="hold">
+                                          <p:stCondLst>
+                                            <p:cond delay="0"/>
+                                          </p:stCondLst>
+                                        </p:cTn>
+                                        <p:tgtEl>
+                                          <p:spTgt spid="18"/>
+                                        </p:tgtEl>
+                                        <p:attrNameLst>
+                                          <p:attrName>style.visibility</p:attrName>
+                                        </p:attrNameLst>
+                                      </p:cBhvr>
+                                      <p:to>
+                                        <p:strVal val="visible"/>
+                                      </p:to>
+                                    </p:set>
+                                    <p:animEffect transition="in" filter="fade">
+                                      <p:cBhvr>
+                                        <p:cTn id="37" dur="500"/>
+                                        <p:tgtEl>
+                                          <p:spTgt spid="18"/>
+                                        </p:tgtEl>
+                                      </p:cBhvr>
+                                    </p:animEffect>
+                                  </p:childTnLst>
+                                </p:cTn>
+                              </p:par>
+                            </p:childTnLst>
+                          </p:cTn>
+                        </p:par>
+                      </p:childTnLst>
+                    </p:cTn>
+                  </p:par>
+                  <p:par>
+                    <p:cTn id="38" fill="hold">
+                      <p:stCondLst>
+                        <p:cond delay="indefinite"/>
+                      </p:stCondLst>
+                      <p:childTnLst>
+                        <p:par>
+                          <p:cTn id="39" fill="hold">
+                            <p:stCondLst>
+                              <p:cond delay="0"/>
+                            </p:stCondLst>
+                            <p:childTnLst>
+                              <p:par>
+                                <p:cTn id="40" presetID="53" presetClass="entr" presetSubtype="16" fill="hold" grpId="0" nodeType="clickEffect">
+                                  <p:stCondLst>
+                                    <p:cond delay="0"/>
+                                  </p:stCondLst>
+                                  <p:childTnLst>
+                                    <p:set>
+                                      <p:cBhvr>
+                                        <p:cTn id="41" dur="1" fill="hold">
+                                          <p:stCondLst>
+                                            <p:cond delay="0"/>
+                                          </p:stCondLst>
+                                        </p:cTn>
+                                        <p:tgtEl>
+                                          <p:spTgt spid="30"/>
+                                        </p:tgtEl>
+                                        <p:attrNameLst>
+                                          <p:attrName>style.visibility</p:attrName>
+                                        </p:attrNameLst>
+                                      </p:cBhvr>
+                                      <p:to>
+                                        <p:strVal val="visible"/>
+                                      </p:to>
+                                    </p:set>
+                                    <p:anim calcmode="lin" valueType="num">
+                                      <p:cBhvr>
+                                        <p:cTn id="42" dur="500" fill="hold"/>
+                                        <p:tgtEl>
+                                          <p:spTgt spid="30"/>
+                                        </p:tgtEl>
+                                        <p:attrNameLst>
+                                          <p:attrName>ppt_w</p:attrName>
+                                        </p:attrNameLst>
+                                      </p:cBhvr>
+                                      <p:tavLst>
+                                        <p:tav tm="0">
+                                          <p:val>
+                                            <p:fltVal val="0"/>
+                                          </p:val>
+                                        </p:tav>
+                                        <p:tav tm="100000">
+                                          <p:val>
+                                            <p:strVal val="#ppt_w"/>
+                                          </p:val>
+                                        </p:tav>
+                                      </p:tavLst>
+                                    </p:anim>
+                                    <p:anim calcmode="lin" valueType="num">
+                                      <p:cBhvr>
+                                        <p:cTn id="43" dur="500" fill="hold"/>
+                                        <p:tgtEl>
+                                          <p:spTgt spid="30"/>
+                                        </p:tgtEl>
+                                        <p:attrNameLst>
+                                          <p:attrName>ppt_h</p:attrName>
+                                        </p:attrNameLst>
+                                      </p:cBhvr>
+                                      <p:tavLst>
+                                        <p:tav tm="0">
+                                          <p:val>
+                                            <p:fltVal val="0"/>
+                                          </p:val>
+                                        </p:tav>
+                                        <p:tav tm="100000">
+                                          <p:val>
+                                            <p:strVal val="#ppt_h"/>
+                                          </p:val>
+                                        </p:tav>
+                                      </p:tavLst>
+                                    </p:anim>
+                                    <p:animEffect transition="in" filter="fade">
+                                      <p:cBhvr>
+                                        <p:cTn id="44" dur="500"/>
+                                        <p:tgtEl>
+                                          <p:spTgt spid="30"/>
+                                        </p:tgtEl>
+                                      </p:cBhvr>
+                                    </p:animEffect>
+                                  </p:childTnLst>
+                                </p:cTn>
+                              </p:par>
+                            </p:childTnLst>
+                          </p:cTn>
+                        </p:par>
+                        <p:par>
+                          <p:cTn id="45" fill="hold">
+                            <p:stCondLst>
+                              <p:cond delay="500"/>
+                            </p:stCondLst>
+                            <p:childTnLst>
+                              <p:par>
+                                <p:cTn id="46" presetID="10" presetClass="entr" presetSubtype="0" fill="hold" grpId="0" nodeType="afterEffect">
+                                  <p:stCondLst>
+                                    <p:cond delay="0"/>
+                                  </p:stCondLst>
+                                  <p:childTnLst>
+                                    <p:set>
+                                      <p:cBhvr>
+                                        <p:cTn id="47" dur="1" fill="hold">
+                                          <p:stCondLst>
+                                            <p:cond delay="0"/>
+                                          </p:stCondLst>
+                                        </p:cTn>
+                                        <p:tgtEl>
+                                          <p:spTgt spid="31"/>
+                                        </p:tgtEl>
+                                        <p:attrNameLst>
+                                          <p:attrName>style.visibility</p:attrName>
+                                        </p:attrNameLst>
+                                      </p:cBhvr>
+                                      <p:to>
+                                        <p:strVal val="visible"/>
+                                      </p:to>
+                                    </p:set>
+                                    <p:animEffect transition="in" filter="fade">
+                                      <p:cBhvr>
+                                        <p:cTn id="48" dur="500"/>
+                                        <p:tgtEl>
+                                          <p:spTgt spid="31"/>
+                                        </p:tgtEl>
+                                      </p:cBhvr>
+                                    </p:animEffect>
+                                  </p:childTnLst>
+                                </p:cTn>
+                              </p:par>
+                            </p:childTnLst>
+                          </p:cTn>
+                        </p:par>
+                      </p:childTnLst>
+                    </p:cTn>
+                  </p:par>
+                </p:childTnLst>
+              </p:cTn>
+              <p:prevCondLst>
+                <p:cond evt="onPrev" delay="0">
+                  <p:tgtEl>
+                    <p:sldTgt/>
+                  </p:tgtEl>
+                </p:cond>
+              </p:prevCondLst>
+              <p:nextCondLst>
+                <p:cond evt="onNext" delay="0">
+                  <p:tgtEl>
+                    <p:sldTgt/>
+                  </p:tgtEl>
+                </p:cond>
+              </p:nextCondLst>
+            </p:seq>
+          </p:childTnLst>
+        </p:cTn>
+      </p:par>
+    </p:tnLst>
+    <p:bldLst>
+      <p:bldP spid="15" grpId="0"/>
+      <p:bldP spid="16" grpId="0"/>
+      <p:bldP spid="17" grpId="0"/>
+      <p:bldP spid="18" grpId="0"/>
+      <p:bldP spid="30" grpId="0" animBg="1"/>
+      <p:bldP spid="31" grpId="0"/>
+      <p:bldP spid="32" grpId="0"/>
+      <p:bldP spid="36" grpId="0" animBg="1"/>
+      <p:bldP spid="37" grpId="0"/>
+    </p:bldLst>
+  </p:timing>
 </p:sld>
 </file>
 
